--- a/Climate Change.pptx
+++ b/Climate Change.pptx
@@ -108,6 +108,11 @@
       </a:defRPr>
     </a:lvl9pPr>
   </p:defaultTextStyle>
+  <p:extLst>
+    <p:ext uri="{EFAFB233-063F-42B5-8137-9DF3F51BA10A}">
+      <p15:sldGuideLst xmlns:p15="http://schemas.microsoft.com/office/powerpoint/2012/main"/>
+    </p:ext>
+  </p:extLst>
 </p:presentation>
 </file>
 
@@ -303,7 +308,7 @@
             <a:fld id="{B61BEF0D-F0BB-DE4B-95CE-6DB70DBA9567}" type="datetimeFigureOut">
               <a:rPr lang="en-US" dirty="0"/>
               <a:pPr/>
-              <a:t>12/4/2019</a:t>
+              <a:t>12/5/2019</a:t>
             </a:fld>
             <a:endParaRPr lang="en-US" dirty="0"/>
           </a:p>
@@ -736,7 +741,7 @@
             <a:fld id="{B61BEF0D-F0BB-DE4B-95CE-6DB70DBA9567}" type="datetimeFigureOut">
               <a:rPr lang="en-US" dirty="0"/>
               <a:pPr/>
-              <a:t>12/4/2019</a:t>
+              <a:t>12/5/2019</a:t>
             </a:fld>
             <a:endParaRPr lang="en-US" dirty="0"/>
           </a:p>
@@ -983,7 +988,7 @@
             <a:fld id="{B61BEF0D-F0BB-DE4B-95CE-6DB70DBA9567}" type="datetimeFigureOut">
               <a:rPr lang="en-US" dirty="0"/>
               <a:pPr/>
-              <a:t>12/4/2019</a:t>
+              <a:t>12/5/2019</a:t>
             </a:fld>
             <a:endParaRPr lang="en-US" dirty="0"/>
           </a:p>
@@ -1288,7 +1293,7 @@
             <a:fld id="{B61BEF0D-F0BB-DE4B-95CE-6DB70DBA9567}" type="datetimeFigureOut">
               <a:rPr lang="en-US" dirty="0"/>
               <a:pPr/>
-              <a:t>12/4/2019</a:t>
+              <a:t>12/5/2019</a:t>
             </a:fld>
             <a:endParaRPr lang="en-US" dirty="0"/>
           </a:p>
@@ -1603,7 +1608,7 @@
             <a:fld id="{B61BEF0D-F0BB-DE4B-95CE-6DB70DBA9567}" type="datetimeFigureOut">
               <a:rPr lang="en-US" dirty="0"/>
               <a:pPr/>
-              <a:t>12/4/2019</a:t>
+              <a:t>12/5/2019</a:t>
             </a:fld>
             <a:endParaRPr lang="en-US" dirty="0"/>
           </a:p>
@@ -1902,7 +1907,7 @@
             <a:fld id="{B61BEF0D-F0BB-DE4B-95CE-6DB70DBA9567}" type="datetimeFigureOut">
               <a:rPr lang="en-US" dirty="0"/>
               <a:pPr/>
-              <a:t>12/4/2019</a:t>
+              <a:t>12/5/2019</a:t>
             </a:fld>
             <a:endParaRPr lang="en-US" dirty="0"/>
           </a:p>
@@ -2266,7 +2271,7 @@
             <a:fld id="{B61BEF0D-F0BB-DE4B-95CE-6DB70DBA9567}" type="datetimeFigureOut">
               <a:rPr lang="en-US" dirty="0"/>
               <a:pPr/>
-              <a:t>12/4/2019</a:t>
+              <a:t>12/5/2019</a:t>
             </a:fld>
             <a:endParaRPr lang="en-US" dirty="0"/>
           </a:p>
@@ -2437,7 +2442,7 @@
             <a:fld id="{B61BEF0D-F0BB-DE4B-95CE-6DB70DBA9567}" type="datetimeFigureOut">
               <a:rPr lang="en-US" dirty="0"/>
               <a:pPr/>
-              <a:t>12/4/2019</a:t>
+              <a:t>12/5/2019</a:t>
             </a:fld>
             <a:endParaRPr lang="en-US" dirty="0"/>
           </a:p>
@@ -2614,7 +2619,7 @@
             <a:fld id="{B61BEF0D-F0BB-DE4B-95CE-6DB70DBA9567}" type="datetimeFigureOut">
               <a:rPr lang="en-US" dirty="0"/>
               <a:pPr/>
-              <a:t>12/4/2019</a:t>
+              <a:t>12/5/2019</a:t>
             </a:fld>
             <a:endParaRPr lang="en-US" dirty="0"/>
           </a:p>
@@ -2781,7 +2786,7 @@
             <a:fld id="{B61BEF0D-F0BB-DE4B-95CE-6DB70DBA9567}" type="datetimeFigureOut">
               <a:rPr lang="en-US" dirty="0"/>
               <a:pPr/>
-              <a:t>12/4/2019</a:t>
+              <a:t>12/5/2019</a:t>
             </a:fld>
             <a:endParaRPr lang="en-US" dirty="0"/>
           </a:p>
@@ -3028,7 +3033,7 @@
             <a:fld id="{B61BEF0D-F0BB-DE4B-95CE-6DB70DBA9567}" type="datetimeFigureOut">
               <a:rPr lang="en-US" dirty="0"/>
               <a:pPr/>
-              <a:t>12/4/2019</a:t>
+              <a:t>12/5/2019</a:t>
             </a:fld>
             <a:endParaRPr lang="en-US" dirty="0"/>
           </a:p>
@@ -3261,7 +3266,7 @@
             <a:fld id="{B61BEF0D-F0BB-DE4B-95CE-6DB70DBA9567}" type="datetimeFigureOut">
               <a:rPr lang="en-US" dirty="0"/>
               <a:pPr/>
-              <a:t>12/4/2019</a:t>
+              <a:t>12/5/2019</a:t>
             </a:fld>
             <a:endParaRPr lang="en-US" dirty="0"/>
           </a:p>
@@ -3640,7 +3645,7 @@
             <a:fld id="{B61BEF0D-F0BB-DE4B-95CE-6DB70DBA9567}" type="datetimeFigureOut">
               <a:rPr lang="en-US" dirty="0"/>
               <a:pPr/>
-              <a:t>12/4/2019</a:t>
+              <a:t>12/5/2019</a:t>
             </a:fld>
             <a:endParaRPr lang="en-US" dirty="0"/>
           </a:p>
@@ -3755,7 +3760,7 @@
             <a:fld id="{B61BEF0D-F0BB-DE4B-95CE-6DB70DBA9567}" type="datetimeFigureOut">
               <a:rPr lang="en-US" dirty="0"/>
               <a:pPr/>
-              <a:t>12/4/2019</a:t>
+              <a:t>12/5/2019</a:t>
             </a:fld>
             <a:endParaRPr lang="en-US" dirty="0"/>
           </a:p>
@@ -3847,7 +3852,7 @@
             <a:fld id="{B61BEF0D-F0BB-DE4B-95CE-6DB70DBA9567}" type="datetimeFigureOut">
               <a:rPr lang="en-US" dirty="0"/>
               <a:pPr/>
-              <a:t>12/4/2019</a:t>
+              <a:t>12/5/2019</a:t>
             </a:fld>
             <a:endParaRPr lang="en-US" dirty="0"/>
           </a:p>
@@ -4099,7 +4104,7 @@
             <a:fld id="{B61BEF0D-F0BB-DE4B-95CE-6DB70DBA9567}" type="datetimeFigureOut">
               <a:rPr lang="en-US" dirty="0"/>
               <a:pPr/>
-              <a:t>12/4/2019</a:t>
+              <a:t>12/5/2019</a:t>
             </a:fld>
             <a:endParaRPr lang="en-US" dirty="0"/>
           </a:p>
@@ -4379,7 +4384,7 @@
             <a:fld id="{B61BEF0D-F0BB-DE4B-95CE-6DB70DBA9567}" type="datetimeFigureOut">
               <a:rPr lang="en-US" dirty="0"/>
               <a:pPr/>
-              <a:t>12/4/2019</a:t>
+              <a:t>12/5/2019</a:t>
             </a:fld>
             <a:endParaRPr lang="en-US" dirty="0"/>
           </a:p>
@@ -4782,7 +4787,7 @@
             <a:fld id="{B61BEF0D-F0BB-DE4B-95CE-6DB70DBA9567}" type="datetimeFigureOut">
               <a:rPr lang="en-US" dirty="0"/>
               <a:pPr/>
-              <a:t>12/4/2019</a:t>
+              <a:t>12/5/2019</a:t>
             </a:fld>
             <a:endParaRPr lang="en-US" dirty="0"/>
           </a:p>
@@ -5459,7 +5464,7 @@
         </p:blipFill>
         <p:spPr>
           <a:xfrm>
-            <a:off x="6489148" y="2011680"/>
+            <a:off x="6420137" y="3219378"/>
             <a:ext cx="5479345" cy="3520546"/>
           </a:xfrm>
           <a:prstGeom prst="rect">
@@ -5483,7 +5488,7 @@
         </p:blipFill>
         <p:spPr>
           <a:xfrm>
-            <a:off x="188709" y="2988549"/>
+            <a:off x="188709" y="3635530"/>
             <a:ext cx="6145301" cy="1566808"/>
           </a:xfrm>
           <a:prstGeom prst="rect">
@@ -5491,6 +5496,91 @@
           </a:prstGeom>
         </p:spPr>
       </p:pic>
+      <p:sp>
+        <p:nvSpPr>
+          <p:cNvPr id="2" name="TextBox 1"/>
+          <p:cNvSpPr txBox="1"/>
+          <p:nvPr/>
+        </p:nvSpPr>
+        <p:spPr>
+          <a:xfrm>
+            <a:off x="560717" y="804673"/>
+            <a:ext cx="11338765" cy="2585323"/>
+          </a:xfrm>
+          <a:prstGeom prst="rect">
+            <a:avLst/>
+          </a:prstGeom>
+          <a:noFill/>
+        </p:spPr>
+        <p:txBody>
+          <a:bodyPr wrap="square" rtlCol="0">
+            <a:spAutoFit/>
+          </a:bodyPr>
+          <a:lstStyle/>
+          <a:p>
+            <a:r>
+              <a:rPr lang="fr-CA" dirty="0" smtClean="0"/>
+              <a:t>Total GtCO2: </a:t>
+            </a:r>
+            <a:r>
+              <a:rPr lang="en-US" dirty="0"/>
+              <a:t>7 different countries’ total billion tons of CO2 emissions in 2016 and their population count in </a:t>
+            </a:r>
+            <a:r>
+              <a:rPr lang="en-US" dirty="0" smtClean="0"/>
+              <a:t>2016.</a:t>
+            </a:r>
+          </a:p>
+          <a:p>
+            <a:endParaRPr lang="fr-CA" dirty="0"/>
+          </a:p>
+          <a:p>
+            <a:r>
+              <a:rPr lang="fr-CA" dirty="0" smtClean="0"/>
+              <a:t>tCO2/CAPITA: </a:t>
+            </a:r>
+            <a:r>
+              <a:rPr lang="en-US" dirty="0" smtClean="0"/>
+              <a:t>uses </a:t>
+            </a:r>
+            <a:r>
+              <a:rPr lang="en-US" dirty="0"/>
+              <a:t>a formula to display the tons of CO2 emissions per person in that country (per capita</a:t>
+            </a:r>
+            <a:r>
+              <a:rPr lang="en-US" dirty="0" smtClean="0"/>
+              <a:t>).</a:t>
+            </a:r>
+          </a:p>
+          <a:p>
+            <a:endParaRPr lang="fr-CA" dirty="0"/>
+          </a:p>
+          <a:p>
+            <a:r>
+              <a:rPr lang="fr-CA" dirty="0" err="1" smtClean="0"/>
+              <a:t>Chart</a:t>
+            </a:r>
+            <a:r>
+              <a:rPr lang="fr-CA" dirty="0" smtClean="0"/>
+              <a:t>: </a:t>
+            </a:r>
+            <a:r>
+              <a:rPr lang="en-US" dirty="0" smtClean="0"/>
+              <a:t>visualizes </a:t>
+            </a:r>
+            <a:r>
+              <a:rPr lang="en-US" dirty="0"/>
+              <a:t>which country’s emission problems are on an individual level and which are not.</a:t>
+            </a:r>
+          </a:p>
+          <a:p>
+            <a:endParaRPr lang="en-US" dirty="0"/>
+          </a:p>
+          <a:p>
+            <a:endParaRPr lang="en-US" dirty="0"/>
+          </a:p>
+        </p:txBody>
+      </p:sp>
     </p:spTree>
     <p:extLst>
       <p:ext uri="{BB962C8B-B14F-4D97-AF65-F5344CB8AC3E}">
@@ -5573,7 +5663,7 @@
         </p:blipFill>
         <p:spPr>
           <a:xfrm>
-            <a:off x="121617" y="2669621"/>
+            <a:off x="147496" y="3687538"/>
             <a:ext cx="5200191" cy="2391856"/>
           </a:xfrm>
           <a:prstGeom prst="rect">
@@ -5597,7 +5687,7 @@
         </p:blipFill>
         <p:spPr>
           <a:xfrm>
-            <a:off x="5454332" y="1749412"/>
+            <a:off x="5480211" y="2844967"/>
             <a:ext cx="6568294" cy="3837572"/>
           </a:xfrm>
           <a:prstGeom prst="rect">
@@ -5605,6 +5695,74 @@
           </a:prstGeom>
         </p:spPr>
       </p:pic>
+      <p:sp>
+        <p:nvSpPr>
+          <p:cNvPr id="2" name="TextBox 1"/>
+          <p:cNvSpPr txBox="1"/>
+          <p:nvPr/>
+        </p:nvSpPr>
+        <p:spPr>
+          <a:xfrm>
+            <a:off x="396815" y="1073208"/>
+            <a:ext cx="11651690" cy="1200329"/>
+          </a:xfrm>
+          <a:prstGeom prst="rect">
+            <a:avLst/>
+          </a:prstGeom>
+          <a:noFill/>
+        </p:spPr>
+        <p:txBody>
+          <a:bodyPr wrap="square" rtlCol="0">
+            <a:spAutoFit/>
+          </a:bodyPr>
+          <a:lstStyle/>
+          <a:p>
+            <a:pPr marL="285750" indent="-285750">
+              <a:buFont typeface="Arial" panose="020B0604020202020204" pitchFamily="34" charset="0"/>
+              <a:buChar char="•"/>
+            </a:pPr>
+            <a:r>
+              <a:rPr lang="fr-CA" dirty="0" smtClean="0"/>
+              <a:t>Total population per continent </a:t>
+            </a:r>
+          </a:p>
+          <a:p>
+            <a:pPr marL="285750" indent="-285750">
+              <a:buFont typeface="Arial" panose="020B0604020202020204" pitchFamily="34" charset="0"/>
+              <a:buChar char="•"/>
+            </a:pPr>
+            <a:r>
+              <a:rPr lang="en-US" dirty="0"/>
+              <a:t>Emissions of CO2 per continent</a:t>
+            </a:r>
+          </a:p>
+          <a:p>
+            <a:pPr marL="285750" indent="-285750">
+              <a:buFont typeface="Arial" panose="020B0604020202020204" pitchFamily="34" charset="0"/>
+              <a:buChar char="•"/>
+            </a:pPr>
+            <a:r>
+              <a:rPr lang="en-US" dirty="0"/>
+              <a:t>The percentage of total worldwide emissions, all during the year of 2017</a:t>
+            </a:r>
+          </a:p>
+          <a:p>
+            <a:pPr marL="285750" indent="-285750">
+              <a:buFont typeface="Arial" panose="020B0604020202020204" pitchFamily="34" charset="0"/>
+              <a:buChar char="•"/>
+            </a:pPr>
+            <a:r>
+              <a:rPr lang="en-US" dirty="0"/>
+              <a:t>The average amount of CO2 emissions per person for each </a:t>
+            </a:r>
+            <a:r>
+              <a:rPr lang="en-US" dirty="0" smtClean="0"/>
+              <a:t>continent</a:t>
+            </a:r>
+            <a:endParaRPr lang="en-US" dirty="0"/>
+          </a:p>
+        </p:txBody>
+      </p:sp>
     </p:spTree>
     <p:extLst>
       <p:ext uri="{BB962C8B-B14F-4D97-AF65-F5344CB8AC3E}">

--- a/Climate Change.pptx
+++ b/Climate Change.pptx
@@ -5330,18 +5330,35 @@
         </p:nvSpPr>
         <p:spPr>
           <a:xfrm>
-            <a:off x="1854644" y="219455"/>
+            <a:off x="1929459" y="1906939"/>
             <a:ext cx="8001000" cy="1014985"/>
           </a:xfrm>
         </p:spPr>
         <p:txBody>
-          <a:bodyPr/>
+          <a:bodyPr>
+            <a:normAutofit fontScale="90000"/>
+          </a:bodyPr>
           <a:lstStyle/>
           <a:p>
             <a:pPr algn="ctr"/>
             <a:r>
               <a:rPr lang="fr-CA" dirty="0" smtClean="0"/>
-              <a:t>CLIMATE CHANGE</a:t>
+              <a:t>Report on</a:t>
+            </a:r>
+            <a:br>
+              <a:rPr lang="fr-CA" dirty="0" smtClean="0"/>
+            </a:br>
+            <a:r>
+              <a:rPr lang="fr-CA" dirty="0" err="1" smtClean="0"/>
+              <a:t>Gas</a:t>
+            </a:r>
+            <a:r>
+              <a:rPr lang="fr-CA" dirty="0" smtClean="0"/>
+              <a:t> </a:t>
+            </a:r>
+            <a:r>
+              <a:rPr lang="fr-CA" dirty="0" err="1" smtClean="0"/>
+              <a:t>emissions</a:t>
             </a:r>
             <a:endParaRPr lang="en-US" dirty="0"/>
           </a:p>
